--- a/inst/presentations/CWhittaker_WASPP_YogKickoffModellingMeetingSlides_22ndJan25.pptx
+++ b/inst/presentations/CWhittaker_WASPP_YogKickoffModellingMeetingSlides_22ndJan25.pptx
@@ -213,7 +213,7 @@
           <a:p>
             <a:fld id="{A94195A5-5F27-4740-89CB-04D9F1E0DAFD}" type="datetimeFigureOut">
               <a:rPr lang="en-GB" smtClean="0"/>
-              <a:t>26/12/2024</a:t>
+              <a:t>31/12/2024</a:t>
             </a:fld>
             <a:endParaRPr lang="en-GB"/>
           </a:p>
@@ -937,7 +937,7 @@
           <a:p>
             <a:fld id="{96DFF08F-DC6B-4601-B491-B0F83F6DD2DA}" type="datetimeFigureOut">
               <a:rPr lang="en-US" dirty="0"/>
-              <a:t>12/26/2024</a:t>
+              <a:t>12/31/2024</a:t>
             </a:fld>
             <a:endParaRPr lang="en-US"/>
           </a:p>
@@ -1186,7 +1186,7 @@
           <a:p>
             <a:fld id="{96DFF08F-DC6B-4601-B491-B0F83F6DD2DA}" type="datetimeFigureOut">
               <a:rPr lang="en-US" dirty="0"/>
-              <a:t>12/26/2024</a:t>
+              <a:t>12/31/2024</a:t>
             </a:fld>
             <a:endParaRPr lang="en-US"/>
           </a:p>
@@ -1646,7 +1646,7 @@
             <a:fld id="{96DFF08F-DC6B-4601-B491-B0F83F6DD2DA}" type="datetimeFigureOut">
               <a:rPr lang="en-US" dirty="0"/>
               <a:pPr/>
-              <a:t>12/26/2024</a:t>
+              <a:t>12/31/2024</a:t>
             </a:fld>
             <a:endParaRPr lang="en-US"/>
           </a:p>
@@ -2373,7 +2373,7 @@
           <a:p>
             <a:fld id="{96DFF08F-DC6B-4601-B491-B0F83F6DD2DA}" type="datetimeFigureOut">
               <a:rPr lang="en-US" dirty="0"/>
-              <a:t>12/26/2024</a:t>
+              <a:t>12/31/2024</a:t>
             </a:fld>
             <a:endParaRPr lang="en-US"/>
           </a:p>
@@ -2587,7 +2587,7 @@
             <a:fld id="{96DFF08F-DC6B-4601-B491-B0F83F6DD2DA}" type="datetimeFigureOut">
               <a:rPr lang="en-US" dirty="0"/>
               <a:pPr/>
-              <a:t>12/26/2024</a:t>
+              <a:t>12/31/2024</a:t>
             </a:fld>
             <a:endParaRPr lang="en-US"/>
           </a:p>
@@ -2972,7 +2972,7 @@
             <a:fld id="{96DFF08F-DC6B-4601-B491-B0F83F6DD2DA}" type="datetimeFigureOut">
               <a:rPr lang="en-US" dirty="0"/>
               <a:pPr/>
-              <a:t>12/26/2024</a:t>
+              <a:t>12/31/2024</a:t>
             </a:fld>
             <a:endParaRPr lang="en-US"/>
           </a:p>
@@ -3386,7 +3386,7 @@
           <a:p>
             <a:fld id="{96DFF08F-DC6B-4601-B491-B0F83F6DD2DA}" type="datetimeFigureOut">
               <a:rPr lang="en-US" dirty="0"/>
-              <a:t>12/26/2024</a:t>
+              <a:t>12/31/2024</a:t>
             </a:fld>
             <a:endParaRPr lang="en-US"/>
           </a:p>
@@ -3591,7 +3591,7 @@
             <a:fld id="{96DFF08F-DC6B-4601-B491-B0F83F6DD2DA}" type="datetimeFigureOut">
               <a:rPr lang="en-US" dirty="0"/>
               <a:pPr/>
-              <a:t>12/26/2024</a:t>
+              <a:t>12/31/2024</a:t>
             </a:fld>
             <a:endParaRPr lang="en-US"/>
           </a:p>
@@ -6036,7 +6036,7 @@
         <p:spPr>
           <a:xfrm>
             <a:off x="10164401" y="4142616"/>
-            <a:ext cx="1807453" cy="1200329"/>
+            <a:ext cx="1807453" cy="1477328"/>
           </a:xfrm>
           <a:prstGeom prst="rect">
             <a:avLst/>
@@ -6070,7 +6070,7 @@
                 <a:latin typeface="Arial" panose="020B0604020202020204" pitchFamily="34" charset="0"/>
                 <a:cs typeface="Arial" panose="020B0604020202020204" pitchFamily="34" charset="0"/>
               </a:rPr>
-              <a:t>(Is the sample positive?)</a:t>
+              <a:t>(I.e. is the sample positive?)</a:t>
             </a:r>
             <a:endParaRPr lang="en-GB" b="1" dirty="0">
               <a:latin typeface="Arial" panose="020B0604020202020204" pitchFamily="34" charset="0"/>
@@ -6206,7 +6206,7 @@
         </p:nvSpPr>
         <p:spPr>
           <a:xfrm>
-            <a:off x="342900" y="193353"/>
+            <a:off x="179509" y="155253"/>
             <a:ext cx="5565532" cy="1163007"/>
           </a:xfrm>
         </p:spPr>
@@ -6648,10 +6648,10 @@
       </p:sp>
       <p:sp>
         <p:nvSpPr>
-          <p:cNvPr id="16" name="Title 1">
+          <p:cNvPr id="7" name="Title 1">
             <a:extLst>
               <a:ext uri="{FF2B5EF4-FFF2-40B4-BE49-F238E27FC236}">
-                <a16:creationId xmlns:a16="http://schemas.microsoft.com/office/drawing/2014/main" id="{25BF9757-11AD-6A2C-9CB7-412AC466D50B}"/>
+                <a16:creationId xmlns:a16="http://schemas.microsoft.com/office/drawing/2014/main" id="{2BC90C5E-AD04-99BA-A281-40D355E71039}"/>
               </a:ext>
             </a:extLst>
           </p:cNvPr>
@@ -6664,7 +6664,7 @@
         </p:nvSpPr>
         <p:spPr>
           <a:xfrm>
-            <a:off x="342900" y="193353"/>
+            <a:off x="179509" y="155253"/>
             <a:ext cx="5565532" cy="1163007"/>
           </a:xfrm>
         </p:spPr>
@@ -6736,7 +6736,7 @@
         </p:nvSpPr>
         <p:spPr>
           <a:xfrm>
-            <a:off x="342899" y="193353"/>
+            <a:off x="85724" y="155253"/>
             <a:ext cx="11630025" cy="1006797"/>
           </a:xfrm>
         </p:spPr>
@@ -6772,67 +6772,106 @@
         </p:nvSpPr>
         <p:spPr>
           <a:xfrm>
-            <a:off x="342900" y="1495425"/>
-            <a:ext cx="5238750" cy="4373669"/>
-          </a:xfrm>
-        </p:spPr>
-        <p:txBody>
-          <a:bodyPr/>
+            <a:off x="257175" y="1495423"/>
+            <a:ext cx="4238625" cy="4373669"/>
+          </a:xfrm>
+        </p:spPr>
+        <p:txBody>
+          <a:bodyPr>
+            <a:normAutofit lnSpcReduction="10000"/>
+          </a:bodyPr>
           <a:lstStyle/>
           <a:p>
             <a:r>
               <a:rPr lang="en-US" dirty="0"/>
-              <a:t>Data from Hewitt et al </a:t>
-            </a:r>
+              <a:t>2 pathogen archetypes (“Ebola-like” and “SARS-CoV-2-like”) with different generation times and shedding profiles.</a:t>
+            </a:r>
+          </a:p>
+          <a:p>
+            <a:r>
+              <a:rPr lang="en-US" dirty="0"/>
+              <a:t>Vary assumed:</a:t>
+            </a:r>
+          </a:p>
+          <a:p>
+            <a:pPr lvl="1"/>
+            <a:r>
+              <a:rPr lang="en-US" dirty="0"/>
+              <a:t>Proportion of infections displaying symptoms (y-axis).</a:t>
+            </a:r>
+          </a:p>
+          <a:p>
+            <a:pPr lvl="1"/>
             <a:r>
               <a:rPr lang="en-US" dirty="0" err="1"/>
-              <a:t>reanalysed</a:t>
+              <a:t>Faecal</a:t>
             </a:r>
             <a:r>
               <a:rPr lang="en-US" dirty="0"/>
-              <a:t>.</a:t>
+              <a:t> shedding relative to SARS-CoV-2 (x-axis).</a:t>
             </a:r>
           </a:p>
           <a:p>
             <a:pPr lvl="1"/>
             <a:r>
               <a:rPr lang="en-US" dirty="0"/>
-              <a:t>Tracked individuals in managed isolation and quarantine facility (MIQF) in New Zealand.</a:t>
+              <a:t>Healthcare seeking </a:t>
+            </a:r>
+            <a:r>
+              <a:rPr lang="en-US" dirty="0" err="1"/>
+              <a:t>behaviour</a:t>
+            </a:r>
+            <a:r>
+              <a:rPr lang="en-US" dirty="0"/>
+              <a:t> (10%, 50% or 90%). </a:t>
             </a:r>
           </a:p>
           <a:p>
             <a:pPr lvl="1"/>
-            <a:r>
-              <a:rPr lang="en-US" b="1" dirty="0"/>
-              <a:t>Included asymptomatic testing and so reasonable estimate of total infections. </a:t>
+            <a:endParaRPr lang="en-US" dirty="0"/>
+          </a:p>
+          <a:p>
+            <a:r>
+              <a:rPr lang="en-US" dirty="0"/>
+              <a:t>Note: these are provisional results, and the model is stochastic (hence the noise!).</a:t>
             </a:r>
           </a:p>
           <a:p>
             <a:pPr lvl="1"/>
-            <a:endParaRPr lang="en-US" b="1" dirty="0"/>
-          </a:p>
-          <a:p>
-            <a:r>
-              <a:rPr lang="en-US" dirty="0"/>
-              <a:t>RT-qPCR detection of SC2 at wastewater treatment plant (WWTP) 5km downstream of MIQF.</a:t>
-            </a:r>
-          </a:p>
-          <a:p>
-            <a:pPr lvl="1"/>
-            <a:r>
-              <a:rPr lang="en-GB" dirty="0"/>
-              <a:t>~30% probability of detection when number of shedding infections is 1 per 100,000 (0.001% prevalence).</a:t>
-            </a:r>
-          </a:p>
-          <a:p>
-            <a:pPr lvl="1"/>
-            <a:r>
-              <a:rPr lang="en-GB" dirty="0"/>
-              <a:t>Increases to ~90% at 10 per 100,000 (0.01% prevalence).</a:t>
-            </a:r>
-          </a:p>
-        </p:txBody>
-      </p:sp>
+            <a:endParaRPr lang="en-GB" dirty="0"/>
+          </a:p>
+        </p:txBody>
+      </p:sp>
+      <p:pic>
+        <p:nvPicPr>
+          <p:cNvPr id="4" name="Picture 3">
+            <a:extLst>
+              <a:ext uri="{FF2B5EF4-FFF2-40B4-BE49-F238E27FC236}">
+                <a16:creationId xmlns:a16="http://schemas.microsoft.com/office/drawing/2014/main" id="{F6EBCFD2-F803-745C-3028-2EB0DB99075A}"/>
+              </a:ext>
+            </a:extLst>
+          </p:cNvPr>
+          <p:cNvPicPr>
+            <a:picLocks noChangeAspect="1"/>
+          </p:cNvPicPr>
+          <p:nvPr/>
+        </p:nvPicPr>
+        <p:blipFill>
+          <a:blip r:embed="rId2"/>
+          <a:stretch>
+            <a:fillRect/>
+          </a:stretch>
+        </p:blipFill>
+        <p:spPr>
+          <a:xfrm>
+            <a:off x="4680981" y="1310534"/>
+            <a:ext cx="7443725" cy="4743449"/>
+          </a:xfrm>
+          <a:prstGeom prst="rect">
+            <a:avLst/>
+          </a:prstGeom>
+        </p:spPr>
+      </p:pic>
     </p:spTree>
     <p:extLst>
       <p:ext uri="{BB962C8B-B14F-4D97-AF65-F5344CB8AC3E}">

--- a/inst/presentations/CWhittaker_WASPP_YogKickoffModellingMeetingSlides_22ndJan25.pptx
+++ b/inst/presentations/CWhittaker_WASPP_YogKickoffModellingMeetingSlides_22ndJan25.pptx
@@ -6778,7 +6778,7 @@
         </p:spPr>
         <p:txBody>
           <a:bodyPr>
-            <a:normAutofit lnSpcReduction="10000"/>
+            <a:normAutofit fontScale="92500" lnSpcReduction="20000"/>
           </a:bodyPr>
           <a:lstStyle/>
           <a:p>
@@ -6788,9 +6788,16 @@
             </a:r>
           </a:p>
           <a:p>
+            <a:pPr lvl="1"/>
             <a:r>
               <a:rPr lang="en-US" dirty="0"/>
-              <a:t>Vary assumed:</a:t>
+              <a:t>Assume fortnightly wastewater sampling with autosampler.</a:t>
+            </a:r>
+          </a:p>
+          <a:p>
+            <a:r>
+              <a:rPr lang="en-US" dirty="0"/>
+              <a:t>Vary:</a:t>
             </a:r>
           </a:p>
           <a:p>
@@ -6823,8 +6830,13 @@
             </a:r>
             <a:r>
               <a:rPr lang="en-US" dirty="0"/>
-              <a:t> (10%, 50% or 90%). </a:t>
-            </a:r>
+              <a:t> (10%, 50% or 90% of symptomatic infections </a:t>
+            </a:r>
+            <a:r>
+              <a:rPr lang="en-US"/>
+              <a:t>seek healthcare). </a:t>
+            </a:r>
+            <a:endParaRPr lang="en-US" dirty="0"/>
           </a:p>
           <a:p>
             <a:pPr lvl="1"/>
